--- a/Лекция 9 10_03_2021.pptx
+++ b/Лекция 9 10_03_2021.pptx
@@ -264,7 +264,7 @@
           <a:p>
             <a:fld id="{44DBC884-B382-4302-8488-D4E467EB670D}" type="datetimeFigureOut">
               <a:rPr lang="ru-RU" smtClean="0"/>
-              <a:t>21.01.2021</a:t>
+              <a:t>09.02.2021</a:t>
             </a:fld>
             <a:endParaRPr lang="ru-RU" dirty="0"/>
           </a:p>
@@ -663,7 +663,7 @@
           <a:p>
             <a:fld id="{9F4DF3D0-C105-404D-A43B-7CBA1B97B744}" type="datetimeFigureOut">
               <a:rPr lang="ru-RU" smtClean="0"/>
-              <a:t>21.01.2021</a:t>
+              <a:t>09.02.2021</a:t>
             </a:fld>
             <a:endParaRPr lang="ru-RU" dirty="0"/>
           </a:p>
@@ -833,7 +833,7 @@
           <a:p>
             <a:fld id="{9F4DF3D0-C105-404D-A43B-7CBA1B97B744}" type="datetimeFigureOut">
               <a:rPr lang="ru-RU" smtClean="0"/>
-              <a:t>21.01.2021</a:t>
+              <a:t>09.02.2021</a:t>
             </a:fld>
             <a:endParaRPr lang="ru-RU" dirty="0"/>
           </a:p>
@@ -1013,7 +1013,7 @@
           <a:p>
             <a:fld id="{9F4DF3D0-C105-404D-A43B-7CBA1B97B744}" type="datetimeFigureOut">
               <a:rPr lang="ru-RU" smtClean="0"/>
-              <a:t>21.01.2021</a:t>
+              <a:t>09.02.2021</a:t>
             </a:fld>
             <a:endParaRPr lang="ru-RU" dirty="0"/>
           </a:p>
@@ -1183,7 +1183,7 @@
           <a:p>
             <a:fld id="{9F4DF3D0-C105-404D-A43B-7CBA1B97B744}" type="datetimeFigureOut">
               <a:rPr lang="ru-RU" smtClean="0"/>
-              <a:t>21.01.2021</a:t>
+              <a:t>09.02.2021</a:t>
             </a:fld>
             <a:endParaRPr lang="ru-RU" dirty="0"/>
           </a:p>
@@ -1429,7 +1429,7 @@
           <a:p>
             <a:fld id="{9F4DF3D0-C105-404D-A43B-7CBA1B97B744}" type="datetimeFigureOut">
               <a:rPr lang="ru-RU" smtClean="0"/>
-              <a:t>21.01.2021</a:t>
+              <a:t>09.02.2021</a:t>
             </a:fld>
             <a:endParaRPr lang="ru-RU" dirty="0"/>
           </a:p>
@@ -1661,7 +1661,7 @@
           <a:p>
             <a:fld id="{9F4DF3D0-C105-404D-A43B-7CBA1B97B744}" type="datetimeFigureOut">
               <a:rPr lang="ru-RU" smtClean="0"/>
-              <a:t>21.01.2021</a:t>
+              <a:t>09.02.2021</a:t>
             </a:fld>
             <a:endParaRPr lang="ru-RU" dirty="0"/>
           </a:p>
@@ -2028,7 +2028,7 @@
           <a:p>
             <a:fld id="{9F4DF3D0-C105-404D-A43B-7CBA1B97B744}" type="datetimeFigureOut">
               <a:rPr lang="ru-RU" smtClean="0"/>
-              <a:t>21.01.2021</a:t>
+              <a:t>09.02.2021</a:t>
             </a:fld>
             <a:endParaRPr lang="ru-RU" dirty="0"/>
           </a:p>
@@ -2146,7 +2146,7 @@
           <a:p>
             <a:fld id="{9F4DF3D0-C105-404D-A43B-7CBA1B97B744}" type="datetimeFigureOut">
               <a:rPr lang="ru-RU" smtClean="0"/>
-              <a:t>21.01.2021</a:t>
+              <a:t>09.02.2021</a:t>
             </a:fld>
             <a:endParaRPr lang="ru-RU" dirty="0"/>
           </a:p>
@@ -2241,7 +2241,7 @@
           <a:p>
             <a:fld id="{9F4DF3D0-C105-404D-A43B-7CBA1B97B744}" type="datetimeFigureOut">
               <a:rPr lang="ru-RU" smtClean="0"/>
-              <a:t>21.01.2021</a:t>
+              <a:t>09.02.2021</a:t>
             </a:fld>
             <a:endParaRPr lang="ru-RU" dirty="0"/>
           </a:p>
@@ -2518,7 +2518,7 @@
           <a:p>
             <a:fld id="{9F4DF3D0-C105-404D-A43B-7CBA1B97B744}" type="datetimeFigureOut">
               <a:rPr lang="ru-RU" smtClean="0"/>
-              <a:t>21.01.2021</a:t>
+              <a:t>09.02.2021</a:t>
             </a:fld>
             <a:endParaRPr lang="ru-RU" dirty="0"/>
           </a:p>
@@ -2771,7 +2771,7 @@
           <a:p>
             <a:fld id="{9F4DF3D0-C105-404D-A43B-7CBA1B97B744}" type="datetimeFigureOut">
               <a:rPr lang="ru-RU" smtClean="0"/>
-              <a:t>21.01.2021</a:t>
+              <a:t>09.02.2021</a:t>
             </a:fld>
             <a:endParaRPr lang="ru-RU" dirty="0"/>
           </a:p>
@@ -2984,7 +2984,7 @@
           <a:p>
             <a:fld id="{9F4DF3D0-C105-404D-A43B-7CBA1B97B744}" type="datetimeFigureOut">
               <a:rPr lang="ru-RU" smtClean="0"/>
-              <a:t>21.01.2021</a:t>
+              <a:t>09.02.2021</a:t>
             </a:fld>
             <a:endParaRPr lang="ru-RU" dirty="0"/>
           </a:p>
@@ -3601,13 +3601,8 @@
             </a:pPr>
             <a:r>
               <a:rPr lang="ru-RU" dirty="0" smtClean="0"/>
-              <a:t>Уменьшает </a:t>
-            </a:r>
-            <a:r>
-              <a:rPr lang="ru-RU" dirty="0" smtClean="0"/>
-              <a:t>смещение</a:t>
-            </a:r>
-            <a:endParaRPr lang="ru-RU" dirty="0" smtClean="0"/>
+              <a:t>Уменьшает смещение</a:t>
+            </a:r>
           </a:p>
         </p:txBody>
       </p:sp>
@@ -4990,13 +4985,8 @@
             <a:pPr lvl="1"/>
             <a:r>
               <a:rPr lang="ru-RU" dirty="0" smtClean="0"/>
-              <a:t>Градиентный </a:t>
-            </a:r>
-            <a:r>
-              <a:rPr lang="ru-RU" dirty="0" smtClean="0"/>
-              <a:t>бустинг</a:t>
-            </a:r>
-            <a:endParaRPr lang="ru-RU" dirty="0" smtClean="0"/>
+              <a:t>Градиентный бустинг</a:t>
+            </a:r>
           </a:p>
         </p:txBody>
       </p:sp>
@@ -11643,11 +11633,7 @@
           <a:p>
             <a:r>
               <a:rPr lang="ru-RU" dirty="0" smtClean="0"/>
-              <a:t>Высокая </a:t>
-            </a:r>
-            <a:r>
-              <a:rPr lang="ru-RU" dirty="0" smtClean="0"/>
-              <a:t>производительность.</a:t>
+              <a:t>Высокая производительность.</a:t>
             </a:r>
           </a:p>
           <a:p>
@@ -12036,15 +12022,7 @@
             </a:pPr>
             <a:r>
               <a:rPr lang="en-US" dirty="0" smtClean="0"/>
-              <a:t>LightGBM</a:t>
-            </a:r>
-            <a:r>
-              <a:rPr lang="en-US" dirty="0" smtClean="0"/>
-              <a:t>, 2016,</a:t>
-            </a:r>
-            <a:r>
-              <a:rPr lang="en-US" dirty="0" smtClean="0"/>
-              <a:t> Microsoft</a:t>
+              <a:t>LightGBM, 2016, Microsoft</a:t>
             </a:r>
           </a:p>
           <a:p>
@@ -12122,9 +12100,10 @@
           <a:lstStyle/>
           <a:p>
             <a:r>
-              <a:rPr lang="ru-RU" dirty="0"/>
-              <a:t>Деревья принятия решений</a:t>
-            </a:r>
+              <a:rPr lang="ru-RU" dirty="0" smtClean="0"/>
+              <a:t>Ансамбли</a:t>
+            </a:r>
+            <a:endParaRPr lang="ru-RU" dirty="0"/>
           </a:p>
         </p:txBody>
       </p:sp>

--- a/Лекция 9 10_03_2021.pptx
+++ b/Лекция 9 10_03_2021.pptx
@@ -264,7 +264,7 @@
           <a:p>
             <a:fld id="{44DBC884-B382-4302-8488-D4E467EB670D}" type="datetimeFigureOut">
               <a:rPr lang="ru-RU" smtClean="0"/>
-              <a:t>09.02.2021</a:t>
+              <a:t>10.03.2021</a:t>
             </a:fld>
             <a:endParaRPr lang="ru-RU" dirty="0"/>
           </a:p>
@@ -663,7 +663,7 @@
           <a:p>
             <a:fld id="{9F4DF3D0-C105-404D-A43B-7CBA1B97B744}" type="datetimeFigureOut">
               <a:rPr lang="ru-RU" smtClean="0"/>
-              <a:t>09.02.2021</a:t>
+              <a:t>10.03.2021</a:t>
             </a:fld>
             <a:endParaRPr lang="ru-RU" dirty="0"/>
           </a:p>
@@ -833,7 +833,7 @@
           <a:p>
             <a:fld id="{9F4DF3D0-C105-404D-A43B-7CBA1B97B744}" type="datetimeFigureOut">
               <a:rPr lang="ru-RU" smtClean="0"/>
-              <a:t>09.02.2021</a:t>
+              <a:t>10.03.2021</a:t>
             </a:fld>
             <a:endParaRPr lang="ru-RU" dirty="0"/>
           </a:p>
@@ -1013,7 +1013,7 @@
           <a:p>
             <a:fld id="{9F4DF3D0-C105-404D-A43B-7CBA1B97B744}" type="datetimeFigureOut">
               <a:rPr lang="ru-RU" smtClean="0"/>
-              <a:t>09.02.2021</a:t>
+              <a:t>10.03.2021</a:t>
             </a:fld>
             <a:endParaRPr lang="ru-RU" dirty="0"/>
           </a:p>
@@ -1183,7 +1183,7 @@
           <a:p>
             <a:fld id="{9F4DF3D0-C105-404D-A43B-7CBA1B97B744}" type="datetimeFigureOut">
               <a:rPr lang="ru-RU" smtClean="0"/>
-              <a:t>09.02.2021</a:t>
+              <a:t>10.03.2021</a:t>
             </a:fld>
             <a:endParaRPr lang="ru-RU" dirty="0"/>
           </a:p>
@@ -1429,7 +1429,7 @@
           <a:p>
             <a:fld id="{9F4DF3D0-C105-404D-A43B-7CBA1B97B744}" type="datetimeFigureOut">
               <a:rPr lang="ru-RU" smtClean="0"/>
-              <a:t>09.02.2021</a:t>
+              <a:t>10.03.2021</a:t>
             </a:fld>
             <a:endParaRPr lang="ru-RU" dirty="0"/>
           </a:p>
@@ -1661,7 +1661,7 @@
           <a:p>
             <a:fld id="{9F4DF3D0-C105-404D-A43B-7CBA1B97B744}" type="datetimeFigureOut">
               <a:rPr lang="ru-RU" smtClean="0"/>
-              <a:t>09.02.2021</a:t>
+              <a:t>10.03.2021</a:t>
             </a:fld>
             <a:endParaRPr lang="ru-RU" dirty="0"/>
           </a:p>
@@ -2028,7 +2028,7 @@
           <a:p>
             <a:fld id="{9F4DF3D0-C105-404D-A43B-7CBA1B97B744}" type="datetimeFigureOut">
               <a:rPr lang="ru-RU" smtClean="0"/>
-              <a:t>09.02.2021</a:t>
+              <a:t>10.03.2021</a:t>
             </a:fld>
             <a:endParaRPr lang="ru-RU" dirty="0"/>
           </a:p>
@@ -2146,7 +2146,7 @@
           <a:p>
             <a:fld id="{9F4DF3D0-C105-404D-A43B-7CBA1B97B744}" type="datetimeFigureOut">
               <a:rPr lang="ru-RU" smtClean="0"/>
-              <a:t>09.02.2021</a:t>
+              <a:t>10.03.2021</a:t>
             </a:fld>
             <a:endParaRPr lang="ru-RU" dirty="0"/>
           </a:p>
@@ -2241,7 +2241,7 @@
           <a:p>
             <a:fld id="{9F4DF3D0-C105-404D-A43B-7CBA1B97B744}" type="datetimeFigureOut">
               <a:rPr lang="ru-RU" smtClean="0"/>
-              <a:t>09.02.2021</a:t>
+              <a:t>10.03.2021</a:t>
             </a:fld>
             <a:endParaRPr lang="ru-RU" dirty="0"/>
           </a:p>
@@ -2518,7 +2518,7 @@
           <a:p>
             <a:fld id="{9F4DF3D0-C105-404D-A43B-7CBA1B97B744}" type="datetimeFigureOut">
               <a:rPr lang="ru-RU" smtClean="0"/>
-              <a:t>09.02.2021</a:t>
+              <a:t>10.03.2021</a:t>
             </a:fld>
             <a:endParaRPr lang="ru-RU" dirty="0"/>
           </a:p>
@@ -2771,7 +2771,7 @@
           <a:p>
             <a:fld id="{9F4DF3D0-C105-404D-A43B-7CBA1B97B744}" type="datetimeFigureOut">
               <a:rPr lang="ru-RU" smtClean="0"/>
-              <a:t>09.02.2021</a:t>
+              <a:t>10.03.2021</a:t>
             </a:fld>
             <a:endParaRPr lang="ru-RU" dirty="0"/>
           </a:p>
@@ -2984,7 +2984,7 @@
           <a:p>
             <a:fld id="{9F4DF3D0-C105-404D-A43B-7CBA1B97B744}" type="datetimeFigureOut">
               <a:rPr lang="ru-RU" smtClean="0"/>
-              <a:t>09.02.2021</a:t>
+              <a:t>10.03.2021</a:t>
             </a:fld>
             <a:endParaRPr lang="ru-RU" dirty="0"/>
           </a:p>
@@ -6104,7 +6104,7 @@
         <p:spPr/>
         <p:txBody>
           <a:bodyPr>
-            <a:normAutofit fontScale="92500" lnSpcReduction="10000"/>
+            <a:normAutofit/>
           </a:bodyPr>
           <a:lstStyle/>
           <a:p>
@@ -6168,30 +6168,12 @@
           </a:p>
           <a:p>
             <a:r>
-              <a:rPr lang="ru-RU" dirty="0" smtClean="0"/>
-              <a:t>Позволяет вычислять «близость» </a:t>
-            </a:r>
-            <a:r>
-              <a:rPr lang="ru-RU" dirty="0"/>
-              <a:t>между парами </a:t>
-            </a:r>
-            <a:r>
-              <a:rPr lang="ru-RU" dirty="0" smtClean="0"/>
-              <a:t>элементов, которая может быть использована при </a:t>
-            </a:r>
-            <a:r>
-              <a:rPr lang="ru-RU" dirty="0"/>
-              <a:t>кластеризации, обнаружении выбросов </a:t>
-            </a:r>
-            <a:r>
-              <a:rPr lang="ru-RU" dirty="0" smtClean="0"/>
-              <a:t>и в других задачах.</a:t>
-            </a:r>
-          </a:p>
-          <a:p>
-            <a:r>
-              <a:rPr lang="ru-RU" dirty="0" smtClean="0"/>
-              <a:t>Возможность параллельного обучения.</a:t>
+              <a:rPr lang="ru-RU" smtClean="0"/>
+              <a:t>Возможность </a:t>
+            </a:r>
+            <a:r>
+              <a:rPr lang="ru-RU" dirty="0" smtClean="0"/>
+              <a:t>параллельного обучения.</a:t>
             </a:r>
             <a:endParaRPr lang="ru-RU" dirty="0"/>
           </a:p>
@@ -8433,7 +8415,15 @@
             </a:pPr>
             <a:r>
               <a:rPr lang="ru-RU" dirty="0" smtClean="0"/>
-              <a:t>Задача, которую отдельные «слабые» модели решают плохо, т.е. с низкими значениями метрики производительности, в совокупности ансамбль решает хорошо.</a:t>
+              <a:t>Задача, которую отдельные «слабые» модели решают плохо, </a:t>
+            </a:r>
+            <a:r>
+              <a:rPr lang="ru-RU" dirty="0" smtClean="0"/>
+              <a:t>то есть </a:t>
+            </a:r>
+            <a:r>
+              <a:rPr lang="ru-RU" dirty="0" smtClean="0"/>
+              <a:t>с низкими значениями метрики производительности, в совокупности ансамбль решает хорошо.</a:t>
             </a:r>
             <a:endParaRPr lang="ru-RU" dirty="0"/>
           </a:p>
@@ -15162,7 +15152,23 @@
           <a:p>
             <a:r>
               <a:rPr lang="ru-RU" dirty="0" smtClean="0"/>
-              <a:t>Разнородный – для построения «слабых моделей применяется более одного алгоритма.</a:t>
+              <a:t>Разнородный – для построения «</a:t>
+            </a:r>
+            <a:r>
+              <a:rPr lang="ru-RU" dirty="0" smtClean="0"/>
+              <a:t>слабых</a:t>
+            </a:r>
+            <a:r>
+              <a:rPr lang="ru-RU" dirty="0" smtClean="0"/>
+              <a:t>»</a:t>
+            </a:r>
+            <a:r>
+              <a:rPr lang="ru-RU" dirty="0" smtClean="0"/>
+              <a:t> </a:t>
+            </a:r>
+            <a:r>
+              <a:rPr lang="ru-RU" dirty="0" smtClean="0"/>
+              <a:t>моделей применяется более одного алгоритма.</a:t>
             </a:r>
             <a:endParaRPr lang="ru-RU" dirty="0"/>
           </a:p>

--- a/Лекция 9 10_03_2021.pptx
+++ b/Лекция 9 10_03_2021.pptx
@@ -264,7 +264,7 @@
           <a:p>
             <a:fld id="{44DBC884-B382-4302-8488-D4E467EB670D}" type="datetimeFigureOut">
               <a:rPr lang="ru-RU" smtClean="0"/>
-              <a:t>10.03.2021</a:t>
+              <a:t>21.03.2021</a:t>
             </a:fld>
             <a:endParaRPr lang="ru-RU" dirty="0"/>
           </a:p>
@@ -663,7 +663,7 @@
           <a:p>
             <a:fld id="{9F4DF3D0-C105-404D-A43B-7CBA1B97B744}" type="datetimeFigureOut">
               <a:rPr lang="ru-RU" smtClean="0"/>
-              <a:t>10.03.2021</a:t>
+              <a:t>21.03.2021</a:t>
             </a:fld>
             <a:endParaRPr lang="ru-RU" dirty="0"/>
           </a:p>
@@ -833,7 +833,7 @@
           <a:p>
             <a:fld id="{9F4DF3D0-C105-404D-A43B-7CBA1B97B744}" type="datetimeFigureOut">
               <a:rPr lang="ru-RU" smtClean="0"/>
-              <a:t>10.03.2021</a:t>
+              <a:t>21.03.2021</a:t>
             </a:fld>
             <a:endParaRPr lang="ru-RU" dirty="0"/>
           </a:p>
@@ -1013,7 +1013,7 @@
           <a:p>
             <a:fld id="{9F4DF3D0-C105-404D-A43B-7CBA1B97B744}" type="datetimeFigureOut">
               <a:rPr lang="ru-RU" smtClean="0"/>
-              <a:t>10.03.2021</a:t>
+              <a:t>21.03.2021</a:t>
             </a:fld>
             <a:endParaRPr lang="ru-RU" dirty="0"/>
           </a:p>
@@ -1183,7 +1183,7 @@
           <a:p>
             <a:fld id="{9F4DF3D0-C105-404D-A43B-7CBA1B97B744}" type="datetimeFigureOut">
               <a:rPr lang="ru-RU" smtClean="0"/>
-              <a:t>10.03.2021</a:t>
+              <a:t>21.03.2021</a:t>
             </a:fld>
             <a:endParaRPr lang="ru-RU" dirty="0"/>
           </a:p>
@@ -1429,7 +1429,7 @@
           <a:p>
             <a:fld id="{9F4DF3D0-C105-404D-A43B-7CBA1B97B744}" type="datetimeFigureOut">
               <a:rPr lang="ru-RU" smtClean="0"/>
-              <a:t>10.03.2021</a:t>
+              <a:t>21.03.2021</a:t>
             </a:fld>
             <a:endParaRPr lang="ru-RU" dirty="0"/>
           </a:p>
@@ -1661,7 +1661,7 @@
           <a:p>
             <a:fld id="{9F4DF3D0-C105-404D-A43B-7CBA1B97B744}" type="datetimeFigureOut">
               <a:rPr lang="ru-RU" smtClean="0"/>
-              <a:t>10.03.2021</a:t>
+              <a:t>21.03.2021</a:t>
             </a:fld>
             <a:endParaRPr lang="ru-RU" dirty="0"/>
           </a:p>
@@ -2028,7 +2028,7 @@
           <a:p>
             <a:fld id="{9F4DF3D0-C105-404D-A43B-7CBA1B97B744}" type="datetimeFigureOut">
               <a:rPr lang="ru-RU" smtClean="0"/>
-              <a:t>10.03.2021</a:t>
+              <a:t>21.03.2021</a:t>
             </a:fld>
             <a:endParaRPr lang="ru-RU" dirty="0"/>
           </a:p>
@@ -2146,7 +2146,7 @@
           <a:p>
             <a:fld id="{9F4DF3D0-C105-404D-A43B-7CBA1B97B744}" type="datetimeFigureOut">
               <a:rPr lang="ru-RU" smtClean="0"/>
-              <a:t>10.03.2021</a:t>
+              <a:t>21.03.2021</a:t>
             </a:fld>
             <a:endParaRPr lang="ru-RU" dirty="0"/>
           </a:p>
@@ -2241,7 +2241,7 @@
           <a:p>
             <a:fld id="{9F4DF3D0-C105-404D-A43B-7CBA1B97B744}" type="datetimeFigureOut">
               <a:rPr lang="ru-RU" smtClean="0"/>
-              <a:t>10.03.2021</a:t>
+              <a:t>21.03.2021</a:t>
             </a:fld>
             <a:endParaRPr lang="ru-RU" dirty="0"/>
           </a:p>
@@ -2518,7 +2518,7 @@
           <a:p>
             <a:fld id="{9F4DF3D0-C105-404D-A43B-7CBA1B97B744}" type="datetimeFigureOut">
               <a:rPr lang="ru-RU" smtClean="0"/>
-              <a:t>10.03.2021</a:t>
+              <a:t>21.03.2021</a:t>
             </a:fld>
             <a:endParaRPr lang="ru-RU" dirty="0"/>
           </a:p>
@@ -2771,7 +2771,7 @@
           <a:p>
             <a:fld id="{9F4DF3D0-C105-404D-A43B-7CBA1B97B744}" type="datetimeFigureOut">
               <a:rPr lang="ru-RU" smtClean="0"/>
-              <a:t>10.03.2021</a:t>
+              <a:t>21.03.2021</a:t>
             </a:fld>
             <a:endParaRPr lang="ru-RU" dirty="0"/>
           </a:p>
@@ -2984,7 +2984,7 @@
           <a:p>
             <a:fld id="{9F4DF3D0-C105-404D-A43B-7CBA1B97B744}" type="datetimeFigureOut">
               <a:rPr lang="ru-RU" smtClean="0"/>
-              <a:t>10.03.2021</a:t>
+              <a:t>21.03.2021</a:t>
             </a:fld>
             <a:endParaRPr lang="ru-RU" dirty="0"/>
           </a:p>
@@ -8415,15 +8415,7 @@
             </a:pPr>
             <a:r>
               <a:rPr lang="ru-RU" dirty="0" smtClean="0"/>
-              <a:t>Задача, которую отдельные «слабые» модели решают плохо, </a:t>
-            </a:r>
-            <a:r>
-              <a:rPr lang="ru-RU" dirty="0" smtClean="0"/>
-              <a:t>то есть </a:t>
-            </a:r>
-            <a:r>
-              <a:rPr lang="ru-RU" dirty="0" smtClean="0"/>
-              <a:t>с низкими значениями метрики производительности, в совокупности ансамбль решает хорошо.</a:t>
+              <a:t>Задача, которую отдельные «слабые» модели решают плохо, то есть с низкими значениями метрики производительности, в совокупности ансамбль решает хорошо.</a:t>
             </a:r>
             <a:endParaRPr lang="ru-RU" dirty="0"/>
           </a:p>
@@ -11342,7 +11334,15 @@
             </a:r>
             <a:r>
               <a:rPr lang="ru-RU" dirty="0" smtClean="0"/>
-              <a:t>псевдо-остатки равными элементам набора данных.</a:t>
+              <a:t>псевдо-остатки равными </a:t>
+            </a:r>
+            <a:r>
+              <a:rPr lang="ru-RU" dirty="0" smtClean="0"/>
+              <a:t>целевым значениям </a:t>
+            </a:r>
+            <a:r>
+              <a:rPr lang="ru-RU" dirty="0" smtClean="0"/>
+              <a:t>набора данных.</a:t>
             </a:r>
             <a:endParaRPr lang="ru-RU" dirty="0"/>
           </a:p>
@@ -15152,23 +15152,7 @@
           <a:p>
             <a:r>
               <a:rPr lang="ru-RU" dirty="0" smtClean="0"/>
-              <a:t>Разнородный – для построения «</a:t>
-            </a:r>
-            <a:r>
-              <a:rPr lang="ru-RU" dirty="0" smtClean="0"/>
-              <a:t>слабых</a:t>
-            </a:r>
-            <a:r>
-              <a:rPr lang="ru-RU" dirty="0" smtClean="0"/>
-              <a:t>»</a:t>
-            </a:r>
-            <a:r>
-              <a:rPr lang="ru-RU" dirty="0" smtClean="0"/>
-              <a:t> </a:t>
-            </a:r>
-            <a:r>
-              <a:rPr lang="ru-RU" dirty="0" smtClean="0"/>
-              <a:t>моделей применяется более одного алгоритма.</a:t>
+              <a:t>Разнородный – для построения «слабых» моделей применяется более одного алгоритма.</a:t>
             </a:r>
             <a:endParaRPr lang="ru-RU" dirty="0"/>
           </a:p>
